--- a/slides/Lecture04 Mine.pptx
+++ b/slides/Lecture04 Mine.pptx
@@ -227,7 +227,7 @@
           <a:p>
             <a:fld id="{9B76BEED-DF9C-1A44-AA9A-E917AAEDB26F}" type="datetimeFigureOut">
               <a:rPr lang="en-US" smtClean="0"/>
-              <a:t>2/8/17</a:t>
+              <a:t>9/11/18</a:t>
             </a:fld>
             <a:endParaRPr lang="en-US"/>
           </a:p>
@@ -393,7 +393,7 @@
           <a:p>
             <a:fld id="{21727DB9-44F7-CE42-9AB8-318282F70AED}" type="datetimeFigureOut">
               <a:rPr lang="en-US" smtClean="0"/>
-              <a:t>2/8/17</a:t>
+              <a:t>9/11/18</a:t>
             </a:fld>
             <a:endParaRPr lang="en-US"/>
           </a:p>
@@ -909,7 +909,6 @@
               <a:rPr lang="en-US" baseline="0" dirty="0" smtClean="0"/>
               <a:t>If both remove, the file is removed from the disk. </a:t>
             </a:r>
-            <a:endParaRPr lang="en-US" baseline="0" dirty="0" smtClean="0"/>
           </a:p>
           <a:p>
             <a:endParaRPr lang="en-US" baseline="0" dirty="0" smtClean="0"/>
@@ -2378,7 +2377,7 @@
           <a:p>
             <a:fld id="{ABADC6AE-926E-EB46-B8FC-9667B257EE73}" type="datetime1">
               <a:rPr lang="en-US" smtClean="0"/>
-              <a:t>2/8/17</a:t>
+              <a:t>9/11/18</a:t>
             </a:fld>
             <a:endParaRPr lang="en-US"/>
           </a:p>
@@ -2560,7 +2559,7 @@
           <a:p>
             <a:fld id="{E4F8A470-08EF-614D-BCC9-E2DDCDFFE454}" type="datetime1">
               <a:rPr lang="en-US" smtClean="0"/>
-              <a:t>2/8/17</a:t>
+              <a:t>9/11/18</a:t>
             </a:fld>
             <a:endParaRPr lang="en-US"/>
           </a:p>
@@ -2747,7 +2746,7 @@
           <a:p>
             <a:fld id="{AC56EEEE-62FA-B747-AC9A-642FE7F5EF9B}" type="datetime1">
               <a:rPr lang="en-US" smtClean="0"/>
-              <a:t>2/8/17</a:t>
+              <a:t>9/11/18</a:t>
             </a:fld>
             <a:endParaRPr lang="en-US"/>
           </a:p>
@@ -2903,7 +2902,7 @@
           <a:p>
             <a:fld id="{1F477C8D-48FB-BF44-B6D5-4E85A8E18A15}" type="datetime1">
               <a:rPr lang="en-US" smtClean="0"/>
-              <a:t>2/8/17</a:t>
+              <a:t>9/11/18</a:t>
             </a:fld>
             <a:endParaRPr lang="en-US"/>
           </a:p>
@@ -3190,7 +3189,7 @@
           <a:p>
             <a:fld id="{DF8BADF2-0887-724B-A839-500D892D50B2}" type="datetime1">
               <a:rPr lang="en-US" smtClean="0"/>
-              <a:t>2/8/17</a:t>
+              <a:t>9/11/18</a:t>
             </a:fld>
             <a:endParaRPr lang="en-US"/>
           </a:p>
@@ -3490,7 +3489,7 @@
           <a:p>
             <a:fld id="{AB679CD2-02A6-CF4B-81E1-8900F68564D6}" type="datetime1">
               <a:rPr lang="en-US" smtClean="0"/>
-              <a:t>2/8/17</a:t>
+              <a:t>9/11/18</a:t>
             </a:fld>
             <a:endParaRPr lang="en-US"/>
           </a:p>
@@ -3924,7 +3923,7 @@
           <a:p>
             <a:fld id="{1C655F5E-2E53-4E4B-9444-4A64692CB673}" type="datetime1">
               <a:rPr lang="en-US" smtClean="0"/>
-              <a:t>2/8/17</a:t>
+              <a:t>9/11/18</a:t>
             </a:fld>
             <a:endParaRPr lang="en-US"/>
           </a:p>
@@ -4054,7 +4053,7 @@
           <a:p>
             <a:fld id="{CA8CAF75-CF7F-A543-973A-BC50716AB675}" type="datetime1">
               <a:rPr lang="en-US" smtClean="0"/>
-              <a:t>2/8/17</a:t>
+              <a:t>9/11/18</a:t>
             </a:fld>
             <a:endParaRPr lang="en-US"/>
           </a:p>
@@ -4152,7 +4151,7 @@
           <a:p>
             <a:fld id="{BF82A31A-3479-9246-9E87-DD4066827871}" type="datetime1">
               <a:rPr lang="en-US" smtClean="0"/>
-              <a:t>2/8/17</a:t>
+              <a:t>9/11/18</a:t>
             </a:fld>
             <a:endParaRPr lang="en-US"/>
           </a:p>
@@ -4435,7 +4434,7 @@
           <a:p>
             <a:fld id="{42D814F9-59BE-C34C-B5F0-2D95F91463AA}" type="datetime1">
               <a:rPr lang="en-US" smtClean="0"/>
-              <a:t>2/8/17</a:t>
+              <a:t>9/11/18</a:t>
             </a:fld>
             <a:endParaRPr lang="en-US"/>
           </a:p>
@@ -4695,7 +4694,7 @@
           <a:p>
             <a:fld id="{B138EFD8-0C61-A541-90AF-E8C2C75167F4}" type="datetime1">
               <a:rPr lang="en-US" smtClean="0"/>
-              <a:t>2/8/17</a:t>
+              <a:t>9/11/18</a:t>
             </a:fld>
             <a:endParaRPr lang="en-US"/>
           </a:p>
@@ -4879,7 +4878,7 @@
           <a:p>
             <a:fld id="{2DCE6237-6632-494A-BB45-136EF54BD008}" type="datetime1">
               <a:rPr lang="en-US" smtClean="0"/>
-              <a:t>2/8/17</a:t>
+              <a:t>9/11/18</a:t>
             </a:fld>
             <a:endParaRPr lang="en-US"/>
           </a:p>
@@ -5643,7 +5642,15 @@
             </a:pPr>
             <a:r>
               <a:rPr lang="en-US" dirty="0" smtClean="0"/>
-              <a:t>Instructor: Yong Chen, Ph.D.</a:t>
+              <a:t>Instructor: </a:t>
+            </a:r>
+            <a:r>
+              <a:rPr lang="en-US" dirty="0" smtClean="0"/>
+              <a:t>Tommy Dang, </a:t>
+            </a:r>
+            <a:r>
+              <a:rPr lang="en-US" dirty="0" smtClean="0"/>
+              <a:t>Ph.D.</a:t>
             </a:r>
           </a:p>
           <a:p>
@@ -5696,36 +5703,6 @@
               <a:t>1</a:t>
             </a:fld>
             <a:endParaRPr lang="en-US"/>
-          </a:p>
-        </p:txBody>
-      </p:sp>
-      <p:sp>
-        <p:nvSpPr>
-          <p:cNvPr id="9" name="TextBox 8"/>
-          <p:cNvSpPr txBox="1"/>
-          <p:nvPr/>
-        </p:nvSpPr>
-        <p:spPr>
-          <a:xfrm>
-            <a:off x="228600" y="6151047"/>
-            <a:ext cx="6536987" cy="369332"/>
-          </a:xfrm>
-          <a:prstGeom prst="rect">
-            <a:avLst/>
-          </a:prstGeom>
-          <a:noFill/>
-        </p:spPr>
-        <p:txBody>
-          <a:bodyPr wrap="square" rtlCol="0">
-            <a:spAutoFit/>
-          </a:bodyPr>
-          <a:lstStyle/>
-          <a:p>
-            <a:r>
-              <a:rPr lang="en-US" i="1" dirty="0" smtClean="0"/>
-              <a:t>Tommy Dang made minor modifications on the slides</a:t>
-            </a:r>
-            <a:endParaRPr lang="en-US" i="1" dirty="0"/>
           </a:p>
         </p:txBody>
       </p:sp>
@@ -5792,14 +5769,14 @@
           <a:effectLst/>
           <a:extLst>
             <a:ext uri="{909E8E84-426E-40dd-AFC4-6F175D3DCCD1}">
-              <a14:hiddenFill xmlns:a14="http://schemas.microsoft.com/office/drawing/2010/main" xmlns="">
+              <a14:hiddenFill xmlns="" xmlns:a14="http://schemas.microsoft.com/office/drawing/2010/main">
                 <a:solidFill>
                   <a:schemeClr val="accent1"/>
                 </a:solidFill>
               </a14:hiddenFill>
             </a:ext>
             <a:ext uri="{91240B29-F687-4f45-9708-019B960494DF}">
-              <a14:hiddenLine xmlns:a14="http://schemas.microsoft.com/office/drawing/2010/main" xmlns="" w="9525">
+              <a14:hiddenLine xmlns="" xmlns:a14="http://schemas.microsoft.com/office/drawing/2010/main" w="9525">
                 <a:solidFill>
                   <a:schemeClr val="tx1"/>
                 </a:solidFill>
@@ -5809,7 +5786,7 @@
               </a14:hiddenLine>
             </a:ext>
             <a:ext uri="{AF507438-7753-43e0-B8FC-AC1667EBCBE1}">
-              <a14:hiddenEffects xmlns:a14="http://schemas.microsoft.com/office/drawing/2010/main" xmlns="">
+              <a14:hiddenEffects xmlns="" xmlns:a14="http://schemas.microsoft.com/office/drawing/2010/main">
                 <a:effectLst>
                   <a:outerShdw blurRad="63500" dist="38099" dir="2700000" algn="ctr" rotWithShape="0">
                     <a:schemeClr val="bg2">
@@ -5888,14 +5865,14 @@
           <a:effectLst/>
           <a:extLst>
             <a:ext uri="{909E8E84-426E-40dd-AFC4-6F175D3DCCD1}">
-              <a14:hiddenFill xmlns:a14="http://schemas.microsoft.com/office/drawing/2010/main" xmlns="">
+              <a14:hiddenFill xmlns="" xmlns:a14="http://schemas.microsoft.com/office/drawing/2010/main">
                 <a:solidFill>
                   <a:schemeClr val="accent1"/>
                 </a:solidFill>
               </a14:hiddenFill>
             </a:ext>
             <a:ext uri="{91240B29-F687-4f45-9708-019B960494DF}">
-              <a14:hiddenLine xmlns:a14="http://schemas.microsoft.com/office/drawing/2010/main" xmlns="" w="9525">
+              <a14:hiddenLine xmlns="" xmlns:a14="http://schemas.microsoft.com/office/drawing/2010/main" w="9525">
                 <a:solidFill>
                   <a:schemeClr val="tx1"/>
                 </a:solidFill>
@@ -5905,7 +5882,7 @@
               </a14:hiddenLine>
             </a:ext>
             <a:ext uri="{AF507438-7753-43e0-B8FC-AC1667EBCBE1}">
-              <a14:hiddenEffects xmlns:a14="http://schemas.microsoft.com/office/drawing/2010/main" xmlns="">
+              <a14:hiddenEffects xmlns="" xmlns:a14="http://schemas.microsoft.com/office/drawing/2010/main">
                 <a:effectLst>
                   <a:outerShdw blurRad="63500" dist="38099" dir="2700000" algn="ctr" rotWithShape="0">
                     <a:schemeClr val="bg2">
@@ -5936,7 +5913,7 @@
             <a:fld id="{3994B9CF-4230-4819-9F6D-569B9E96EFB9}" type="datetime1">
               <a:rPr lang="en-US" altLang="zh-CN" smtClean="0"/>
               <a:pPr/>
-              <a:t>2/8/17</a:t>
+              <a:t>9/11/18</a:t>
             </a:fld>
             <a:endParaRPr lang="en-US"/>
           </a:p>
@@ -6078,14 +6055,14 @@
           <a:effectLst/>
           <a:extLst>
             <a:ext uri="{909E8E84-426E-40dd-AFC4-6F175D3DCCD1}">
-              <a14:hiddenFill xmlns:a14="http://schemas.microsoft.com/office/drawing/2010/main" xmlns="">
+              <a14:hiddenFill xmlns="" xmlns:a14="http://schemas.microsoft.com/office/drawing/2010/main">
                 <a:solidFill>
                   <a:schemeClr val="accent1"/>
                 </a:solidFill>
               </a14:hiddenFill>
             </a:ext>
             <a:ext uri="{91240B29-F687-4f45-9708-019B960494DF}">
-              <a14:hiddenLine xmlns:a14="http://schemas.microsoft.com/office/drawing/2010/main" xmlns="" w="9525">
+              <a14:hiddenLine xmlns="" xmlns:a14="http://schemas.microsoft.com/office/drawing/2010/main" w="9525">
                 <a:solidFill>
                   <a:schemeClr val="tx1"/>
                 </a:solidFill>
@@ -6095,7 +6072,7 @@
               </a14:hiddenLine>
             </a:ext>
             <a:ext uri="{AF507438-7753-43e0-B8FC-AC1667EBCBE1}">
-              <a14:hiddenEffects xmlns:a14="http://schemas.microsoft.com/office/drawing/2010/main" xmlns="">
+              <a14:hiddenEffects xmlns="" xmlns:a14="http://schemas.microsoft.com/office/drawing/2010/main">
                 <a:effectLst>
                   <a:outerShdw blurRad="63500" dist="38099" dir="2700000" algn="ctr" rotWithShape="0">
                     <a:schemeClr val="bg2">
@@ -6156,7 +6133,7 @@
             <a:fld id="{3994B9CF-4230-4819-9F6D-569B9E96EFB9}" type="datetime1">
               <a:rPr lang="en-US" altLang="zh-CN" smtClean="0"/>
               <a:pPr/>
-              <a:t>2/8/17</a:t>
+              <a:t>9/11/18</a:t>
             </a:fld>
             <a:endParaRPr lang="en-US"/>
           </a:p>
@@ -6296,14 +6273,14 @@
           <a:effectLst/>
           <a:extLst>
             <a:ext uri="{909E8E84-426E-40dd-AFC4-6F175D3DCCD1}">
-              <a14:hiddenFill xmlns:a14="http://schemas.microsoft.com/office/drawing/2010/main" xmlns="">
+              <a14:hiddenFill xmlns="" xmlns:a14="http://schemas.microsoft.com/office/drawing/2010/main">
                 <a:solidFill>
                   <a:schemeClr val="accent1"/>
                 </a:solidFill>
               </a14:hiddenFill>
             </a:ext>
             <a:ext uri="{91240B29-F687-4f45-9708-019B960494DF}">
-              <a14:hiddenLine xmlns:a14="http://schemas.microsoft.com/office/drawing/2010/main" xmlns="" w="9525">
+              <a14:hiddenLine xmlns="" xmlns:a14="http://schemas.microsoft.com/office/drawing/2010/main" w="9525">
                 <a:solidFill>
                   <a:schemeClr val="tx1"/>
                 </a:solidFill>
@@ -6313,7 +6290,7 @@
               </a14:hiddenLine>
             </a:ext>
             <a:ext uri="{AF507438-7753-43e0-B8FC-AC1667EBCBE1}">
-              <a14:hiddenEffects xmlns:a14="http://schemas.microsoft.com/office/drawing/2010/main" xmlns="">
+              <a14:hiddenEffects xmlns="" xmlns:a14="http://schemas.microsoft.com/office/drawing/2010/main">
                 <a:effectLst>
                   <a:outerShdw blurRad="63500" dist="38099" dir="2700000" algn="ctr" rotWithShape="0">
                     <a:schemeClr val="bg2">
@@ -6365,7 +6342,7 @@
           <a:graphicData uri="http://schemas.openxmlformats.org/presentationml/2006/ole">
             <mc:AlternateContent xmlns:mc="http://schemas.openxmlformats.org/markup-compatibility/2006">
               <mc:Choice xmlns:v="urn:schemas-microsoft-com:vml" Requires="v">
-                <p:oleObj spid="_x0000_s2090" name="Image" r:id="rId4" imgW="19202400" imgH="6400800" progId="">
+                <p:oleObj spid="_x0000_s2094" name="Image" r:id="rId4" imgW="19202400" imgH="6400800" progId="">
                   <p:embed/>
                 </p:oleObj>
               </mc:Choice>
@@ -6408,14 +6385,14 @@
                       <a:effectLst/>
                       <a:extLst>
                         <a:ext uri="{909E8E84-426E-40dd-AFC4-6F175D3DCCD1}">
-                          <a14:hiddenFill xmlns:a14="http://schemas.microsoft.com/office/drawing/2010/main" xmlns="">
+                          <a14:hiddenFill xmlns="" xmlns:a14="http://schemas.microsoft.com/office/drawing/2010/main">
                             <a:solidFill>
                               <a:schemeClr val="accent1"/>
                             </a:solidFill>
                           </a14:hiddenFill>
                         </a:ext>
                         <a:ext uri="{91240B29-F687-4f45-9708-019B960494DF}">
-                          <a14:hiddenLine xmlns:a14="http://schemas.microsoft.com/office/drawing/2010/main" xmlns="" w="12700">
+                          <a14:hiddenLine xmlns="" xmlns:a14="http://schemas.microsoft.com/office/drawing/2010/main" w="12700">
                             <a:solidFill>
                               <a:schemeClr val="tx1"/>
                             </a:solidFill>
@@ -6425,7 +6402,7 @@
                           </a14:hiddenLine>
                         </a:ext>
                         <a:ext uri="{AF507438-7753-43e0-B8FC-AC1667EBCBE1}">
-                          <a14:hiddenEffects xmlns:a14="http://schemas.microsoft.com/office/drawing/2010/main" xmlns="">
+                          <a14:hiddenEffects xmlns="" xmlns:a14="http://schemas.microsoft.com/office/drawing/2010/main">
                             <a:effectLst>
                               <a:outerShdw blurRad="63500" dist="38097" dir="2700000" algn="ctr" rotWithShape="0">
                                 <a:schemeClr val="bg2">
@@ -6462,7 +6439,7 @@
             <a:fld id="{487F879E-8EED-4FE2-A17D-B57876BAF999}" type="datetime1">
               <a:rPr lang="en-US" altLang="zh-CN" smtClean="0"/>
               <a:pPr/>
-              <a:t>2/8/17</a:t>
+              <a:t>9/11/18</a:t>
             </a:fld>
             <a:endParaRPr lang="en-US"/>
           </a:p>
@@ -6612,14 +6589,14 @@
           <a:effectLst/>
           <a:extLst>
             <a:ext uri="{909E8E84-426E-40dd-AFC4-6F175D3DCCD1}">
-              <a14:hiddenFill xmlns:a14="http://schemas.microsoft.com/office/drawing/2010/main" xmlns="">
+              <a14:hiddenFill xmlns="" xmlns:a14="http://schemas.microsoft.com/office/drawing/2010/main">
                 <a:solidFill>
                   <a:schemeClr val="accent1"/>
                 </a:solidFill>
               </a14:hiddenFill>
             </a:ext>
             <a:ext uri="{91240B29-F687-4f45-9708-019B960494DF}">
-              <a14:hiddenLine xmlns:a14="http://schemas.microsoft.com/office/drawing/2010/main" xmlns="" w="9525">
+              <a14:hiddenLine xmlns="" xmlns:a14="http://schemas.microsoft.com/office/drawing/2010/main" w="9525">
                 <a:solidFill>
                   <a:schemeClr val="tx1"/>
                 </a:solidFill>
@@ -6629,7 +6606,7 @@
               </a14:hiddenLine>
             </a:ext>
             <a:ext uri="{AF507438-7753-43e0-B8FC-AC1667EBCBE1}">
-              <a14:hiddenEffects xmlns:a14="http://schemas.microsoft.com/office/drawing/2010/main" xmlns="">
+              <a14:hiddenEffects xmlns="" xmlns:a14="http://schemas.microsoft.com/office/drawing/2010/main">
                 <a:effectLst>
                   <a:outerShdw blurRad="63500" dist="38099" dir="2700000" algn="ctr" rotWithShape="0">
                     <a:schemeClr val="bg2">
@@ -6681,7 +6658,7 @@
           <a:graphicData uri="http://schemas.openxmlformats.org/presentationml/2006/ole">
             <mc:AlternateContent xmlns:mc="http://schemas.openxmlformats.org/markup-compatibility/2006">
               <mc:Choice xmlns:v="urn:schemas-microsoft-com:vml" Requires="v">
-                <p:oleObj spid="_x0000_s3114" name="Image" r:id="rId4" imgW="19202400" imgH="5486400" progId="">
+                <p:oleObj spid="_x0000_s3118" name="Image" r:id="rId4" imgW="19202400" imgH="5486400" progId="">
                   <p:embed/>
                 </p:oleObj>
               </mc:Choice>
@@ -6724,14 +6701,14 @@
                       <a:effectLst/>
                       <a:extLst>
                         <a:ext uri="{909E8E84-426E-40dd-AFC4-6F175D3DCCD1}">
-                          <a14:hiddenFill xmlns:a14="http://schemas.microsoft.com/office/drawing/2010/main" xmlns="">
+                          <a14:hiddenFill xmlns="" xmlns:a14="http://schemas.microsoft.com/office/drawing/2010/main">
                             <a:solidFill>
                               <a:schemeClr val="accent1"/>
                             </a:solidFill>
                           </a14:hiddenFill>
                         </a:ext>
                         <a:ext uri="{91240B29-F687-4f45-9708-019B960494DF}">
-                          <a14:hiddenLine xmlns:a14="http://schemas.microsoft.com/office/drawing/2010/main" xmlns="" w="12700">
+                          <a14:hiddenLine xmlns="" xmlns:a14="http://schemas.microsoft.com/office/drawing/2010/main" w="12700">
                             <a:solidFill>
                               <a:schemeClr val="tx1"/>
                             </a:solidFill>
@@ -6741,7 +6718,7 @@
                           </a14:hiddenLine>
                         </a:ext>
                         <a:ext uri="{AF507438-7753-43e0-B8FC-AC1667EBCBE1}">
-                          <a14:hiddenEffects xmlns:a14="http://schemas.microsoft.com/office/drawing/2010/main" xmlns="">
+                          <a14:hiddenEffects xmlns="" xmlns:a14="http://schemas.microsoft.com/office/drawing/2010/main">
                             <a:effectLst>
                               <a:outerShdw blurRad="63500" dist="38097" dir="2700000" algn="ctr" rotWithShape="0">
                                 <a:schemeClr val="bg2">
@@ -6778,7 +6755,7 @@
             <a:fld id="{54B230A0-BEBB-4D60-B26F-B43C3A7F9C63}" type="datetime1">
               <a:rPr lang="en-US" altLang="zh-CN" smtClean="0"/>
               <a:pPr/>
-              <a:t>2/8/17</a:t>
+              <a:t>9/11/18</a:t>
             </a:fld>
             <a:endParaRPr lang="en-US"/>
           </a:p>
@@ -6921,14 +6898,14 @@
           <a:effectLst/>
           <a:extLst>
             <a:ext uri="{909E8E84-426E-40dd-AFC4-6F175D3DCCD1}">
-              <a14:hiddenFill xmlns:a14="http://schemas.microsoft.com/office/drawing/2010/main" xmlns="">
+              <a14:hiddenFill xmlns="" xmlns:a14="http://schemas.microsoft.com/office/drawing/2010/main">
                 <a:solidFill>
                   <a:schemeClr val="accent1"/>
                 </a:solidFill>
               </a14:hiddenFill>
             </a:ext>
             <a:ext uri="{91240B29-F687-4f45-9708-019B960494DF}">
-              <a14:hiddenLine xmlns:a14="http://schemas.microsoft.com/office/drawing/2010/main" xmlns="" w="9525">
+              <a14:hiddenLine xmlns="" xmlns:a14="http://schemas.microsoft.com/office/drawing/2010/main" w="9525">
                 <a:solidFill>
                   <a:schemeClr val="tx1"/>
                 </a:solidFill>
@@ -6938,7 +6915,7 @@
               </a14:hiddenLine>
             </a:ext>
             <a:ext uri="{AF507438-7753-43e0-B8FC-AC1667EBCBE1}">
-              <a14:hiddenEffects xmlns:a14="http://schemas.microsoft.com/office/drawing/2010/main" xmlns="">
+              <a14:hiddenEffects xmlns="" xmlns:a14="http://schemas.microsoft.com/office/drawing/2010/main">
                 <a:effectLst>
                   <a:outerShdw blurRad="63500" dist="38099" dir="2700000" algn="ctr" rotWithShape="0">
                     <a:schemeClr val="bg2">
@@ -7042,7 +7019,7 @@
           <a:noFill/>
           <a:extLst>
             <a:ext uri="{909E8E84-426E-40dd-AFC4-6F175D3DCCD1}">
-              <a14:hiddenFill xmlns:a14="http://schemas.microsoft.com/office/drawing/2010/main" xmlns="">
+              <a14:hiddenFill xmlns="" xmlns:a14="http://schemas.microsoft.com/office/drawing/2010/main">
                 <a:solidFill>
                   <a:srgbClr val="FFFFFF"/>
                 </a:solidFill>
@@ -7069,7 +7046,7 @@
             <a:fld id="{62001CEE-EFDA-474A-A504-39F2D52C739C}" type="datetime1">
               <a:rPr lang="en-US" altLang="zh-CN" smtClean="0"/>
               <a:pPr/>
-              <a:t>2/8/17</a:t>
+              <a:t>9/11/18</a:t>
             </a:fld>
             <a:endParaRPr lang="en-US"/>
           </a:p>
@@ -7273,14 +7250,14 @@
           <a:effectLst/>
           <a:extLst>
             <a:ext uri="{909E8E84-426E-40dd-AFC4-6F175D3DCCD1}">
-              <a14:hiddenFill xmlns:a14="http://schemas.microsoft.com/office/drawing/2010/main" xmlns="">
+              <a14:hiddenFill xmlns="" xmlns:a14="http://schemas.microsoft.com/office/drawing/2010/main">
                 <a:solidFill>
                   <a:schemeClr val="accent1"/>
                 </a:solidFill>
               </a14:hiddenFill>
             </a:ext>
             <a:ext uri="{91240B29-F687-4f45-9708-019B960494DF}">
-              <a14:hiddenLine xmlns:a14="http://schemas.microsoft.com/office/drawing/2010/main" xmlns="" w="9525">
+              <a14:hiddenLine xmlns="" xmlns:a14="http://schemas.microsoft.com/office/drawing/2010/main" w="9525">
                 <a:solidFill>
                   <a:schemeClr val="tx1"/>
                 </a:solidFill>
@@ -7290,7 +7267,7 @@
               </a14:hiddenLine>
             </a:ext>
             <a:ext uri="{AF507438-7753-43e0-B8FC-AC1667EBCBE1}">
-              <a14:hiddenEffects xmlns:a14="http://schemas.microsoft.com/office/drawing/2010/main" xmlns="">
+              <a14:hiddenEffects xmlns="" xmlns:a14="http://schemas.microsoft.com/office/drawing/2010/main">
                 <a:effectLst>
                   <a:outerShdw blurRad="63500" dist="38099" dir="2700000" algn="ctr" rotWithShape="0">
                     <a:schemeClr val="bg2">
@@ -7342,7 +7319,7 @@
           <a:graphicData uri="http://schemas.openxmlformats.org/presentationml/2006/ole">
             <mc:AlternateContent xmlns:mc="http://schemas.openxmlformats.org/markup-compatibility/2006">
               <mc:Choice xmlns:v="urn:schemas-microsoft-com:vml" Requires="v">
-                <p:oleObj spid="_x0000_s4138" name="Image" r:id="rId4" imgW="19202400" imgH="3657600" progId="">
+                <p:oleObj spid="_x0000_s4142" name="Image" r:id="rId4" imgW="19202400" imgH="3657600" progId="">
                   <p:embed/>
                 </p:oleObj>
               </mc:Choice>
@@ -7385,14 +7362,14 @@
                       <a:effectLst/>
                       <a:extLst>
                         <a:ext uri="{909E8E84-426E-40dd-AFC4-6F175D3DCCD1}">
-                          <a14:hiddenFill xmlns:a14="http://schemas.microsoft.com/office/drawing/2010/main" xmlns="">
+                          <a14:hiddenFill xmlns="" xmlns:a14="http://schemas.microsoft.com/office/drawing/2010/main">
                             <a:solidFill>
                               <a:schemeClr val="accent1"/>
                             </a:solidFill>
                           </a14:hiddenFill>
                         </a:ext>
                         <a:ext uri="{91240B29-F687-4f45-9708-019B960494DF}">
-                          <a14:hiddenLine xmlns:a14="http://schemas.microsoft.com/office/drawing/2010/main" xmlns="" w="12700">
+                          <a14:hiddenLine xmlns="" xmlns:a14="http://schemas.microsoft.com/office/drawing/2010/main" w="12700">
                             <a:solidFill>
                               <a:schemeClr val="tx1"/>
                             </a:solidFill>
@@ -7402,7 +7379,7 @@
                           </a14:hiddenLine>
                         </a:ext>
                         <a:ext uri="{AF507438-7753-43e0-B8FC-AC1667EBCBE1}">
-                          <a14:hiddenEffects xmlns:a14="http://schemas.microsoft.com/office/drawing/2010/main" xmlns="">
+                          <a14:hiddenEffects xmlns="" xmlns:a14="http://schemas.microsoft.com/office/drawing/2010/main">
                             <a:effectLst>
                               <a:outerShdw blurRad="63500" dist="38097" dir="2700000" algn="ctr" rotWithShape="0">
                                 <a:schemeClr val="bg2">
@@ -7439,7 +7416,7 @@
             <a:fld id="{5117CC1D-F85E-4F4F-9DB1-8F2B4A012EF0}" type="datetime1">
               <a:rPr lang="en-US" altLang="zh-CN" smtClean="0"/>
               <a:pPr/>
-              <a:t>2/8/17</a:t>
+              <a:t>9/11/18</a:t>
             </a:fld>
             <a:endParaRPr lang="en-US"/>
           </a:p>
@@ -7581,14 +7558,14 @@
           <a:effectLst/>
           <a:extLst>
             <a:ext uri="{909E8E84-426E-40dd-AFC4-6F175D3DCCD1}">
-              <a14:hiddenFill xmlns:a14="http://schemas.microsoft.com/office/drawing/2010/main" xmlns="">
+              <a14:hiddenFill xmlns="" xmlns:a14="http://schemas.microsoft.com/office/drawing/2010/main">
                 <a:solidFill>
                   <a:schemeClr val="accent1"/>
                 </a:solidFill>
               </a14:hiddenFill>
             </a:ext>
             <a:ext uri="{91240B29-F687-4f45-9708-019B960494DF}">
-              <a14:hiddenLine xmlns:a14="http://schemas.microsoft.com/office/drawing/2010/main" xmlns="" w="9525">
+              <a14:hiddenLine xmlns="" xmlns:a14="http://schemas.microsoft.com/office/drawing/2010/main" w="9525">
                 <a:solidFill>
                   <a:schemeClr val="tx1"/>
                 </a:solidFill>
@@ -7598,7 +7575,7 @@
               </a14:hiddenLine>
             </a:ext>
             <a:ext uri="{AF507438-7753-43e0-B8FC-AC1667EBCBE1}">
-              <a14:hiddenEffects xmlns:a14="http://schemas.microsoft.com/office/drawing/2010/main" xmlns="">
+              <a14:hiddenEffects xmlns="" xmlns:a14="http://schemas.microsoft.com/office/drawing/2010/main">
                 <a:effectLst>
                   <a:outerShdw blurRad="63500" dist="38099" dir="2700000" algn="ctr" rotWithShape="0">
                     <a:schemeClr val="bg2">
@@ -7668,7 +7645,7 @@
             <a:fld id="{2FEB9399-945B-45E5-A2F4-A1FC125192A5}" type="datetime1">
               <a:rPr lang="en-US" altLang="zh-CN" smtClean="0"/>
               <a:pPr/>
-              <a:t>2/8/17</a:t>
+              <a:t>9/11/18</a:t>
             </a:fld>
             <a:endParaRPr lang="en-US"/>
           </a:p>
@@ -7785,7 +7762,7 @@
           <a:noFill/>
           <a:extLst>
             <a:ext uri="{909E8E84-426E-40dd-AFC4-6F175D3DCCD1}">
-              <a14:hiddenFill xmlns:a14="http://schemas.microsoft.com/office/drawing/2010/main" xmlns="">
+              <a14:hiddenFill xmlns="" xmlns:a14="http://schemas.microsoft.com/office/drawing/2010/main">
                 <a:solidFill>
                   <a:srgbClr val="FFFFFF"/>
                 </a:solidFill>
@@ -7882,7 +7859,7 @@
           <a:p>
             <a:fld id="{52ABBB52-D186-264B-B6B8-688F4CAB6400}" type="datetime1">
               <a:rPr lang="en-US" smtClean="0"/>
-              <a:t>2/8/17</a:t>
+              <a:t>9/11/18</a:t>
             </a:fld>
             <a:endParaRPr lang="en-US"/>
           </a:p>
@@ -8118,7 +8095,7 @@
           <a:p>
             <a:fld id="{C94E3762-5D8A-3A4E-B6DB-2FE9B8FB070F}" type="datetime1">
               <a:rPr lang="en-US" smtClean="0"/>
-              <a:t>2/8/17</a:t>
+              <a:t>9/11/18</a:t>
             </a:fld>
             <a:endParaRPr lang="en-US"/>
           </a:p>
@@ -8256,14 +8233,14 @@
           <a:effectLst/>
           <a:extLst>
             <a:ext uri="{909E8E84-426E-40dd-AFC4-6F175D3DCCD1}">
-              <a14:hiddenFill xmlns="" xmlns:a14="http://schemas.microsoft.com/office/drawing/2010/main">
+              <a14:hiddenFill xmlns:a14="http://schemas.microsoft.com/office/drawing/2010/main" xmlns="">
                 <a:solidFill>
                   <a:schemeClr val="accent1"/>
                 </a:solidFill>
               </a14:hiddenFill>
             </a:ext>
             <a:ext uri="{91240B29-F687-4f45-9708-019B960494DF}">
-              <a14:hiddenLine xmlns="" xmlns:a14="http://schemas.microsoft.com/office/drawing/2010/main" w="9525">
+              <a14:hiddenLine xmlns:a14="http://schemas.microsoft.com/office/drawing/2010/main" xmlns="" w="9525">
                 <a:solidFill>
                   <a:schemeClr val="tx1"/>
                 </a:solidFill>
@@ -8273,7 +8250,7 @@
               </a14:hiddenLine>
             </a:ext>
             <a:ext uri="{AF507438-7753-43e0-B8FC-AC1667EBCBE1}">
-              <a14:hiddenEffects xmlns="" xmlns:a14="http://schemas.microsoft.com/office/drawing/2010/main">
+              <a14:hiddenEffects xmlns:a14="http://schemas.microsoft.com/office/drawing/2010/main" xmlns="">
                 <a:effectLst>
                   <a:outerShdw blurRad="63500" dist="38099" dir="2700000" algn="ctr" rotWithShape="0">
                     <a:schemeClr val="bg2">
@@ -8341,7 +8318,7 @@
           <a:noFill/>
           <a:extLst>
             <a:ext uri="{909E8E84-426E-40dd-AFC4-6F175D3DCCD1}">
-              <a14:hiddenFill xmlns="" xmlns:a14="http://schemas.microsoft.com/office/drawing/2010/main">
+              <a14:hiddenFill xmlns:a14="http://schemas.microsoft.com/office/drawing/2010/main" xmlns="">
                 <a:solidFill>
                   <a:srgbClr val="FFFFFF"/>
                 </a:solidFill>
@@ -8401,7 +8378,7 @@
             <a:fld id="{3175516F-F2A2-47C5-9741-85CE8E25E4A5}" type="datetime1">
               <a:rPr lang="en-US" altLang="zh-CN" smtClean="0"/>
               <a:pPr/>
-              <a:t>2/8/17</a:t>
+              <a:t>9/11/18</a:t>
             </a:fld>
             <a:endParaRPr lang="en-US"/>
           </a:p>
@@ -8617,7 +8594,7 @@
           <a:p>
             <a:fld id="{C94E3762-5D8A-3A4E-B6DB-2FE9B8FB070F}" type="datetime1">
               <a:rPr lang="en-US" smtClean="0"/>
-              <a:t>2/8/17</a:t>
+              <a:t>9/11/18</a:t>
             </a:fld>
             <a:endParaRPr lang="en-US" dirty="0"/>
           </a:p>
@@ -8837,14 +8814,14 @@
           <a:effectLst/>
           <a:extLst>
             <a:ext uri="{909E8E84-426E-40dd-AFC4-6F175D3DCCD1}">
-              <a14:hiddenFill xmlns:a14="http://schemas.microsoft.com/office/drawing/2010/main" xmlns="">
+              <a14:hiddenFill xmlns="" xmlns:a14="http://schemas.microsoft.com/office/drawing/2010/main">
                 <a:solidFill>
                   <a:schemeClr val="accent1"/>
                 </a:solidFill>
               </a14:hiddenFill>
             </a:ext>
             <a:ext uri="{91240B29-F687-4f45-9708-019B960494DF}">
-              <a14:hiddenLine xmlns:a14="http://schemas.microsoft.com/office/drawing/2010/main" xmlns="" w="9525">
+              <a14:hiddenLine xmlns="" xmlns:a14="http://schemas.microsoft.com/office/drawing/2010/main" w="9525">
                 <a:solidFill>
                   <a:schemeClr val="tx1"/>
                 </a:solidFill>
@@ -8854,7 +8831,7 @@
               </a14:hiddenLine>
             </a:ext>
             <a:ext uri="{AF507438-7753-43e0-B8FC-AC1667EBCBE1}">
-              <a14:hiddenEffects xmlns:a14="http://schemas.microsoft.com/office/drawing/2010/main" xmlns="">
+              <a14:hiddenEffects xmlns="" xmlns:a14="http://schemas.microsoft.com/office/drawing/2010/main">
                 <a:effectLst>
                   <a:outerShdw blurRad="63500" dist="38099" dir="2700000" algn="ctr" rotWithShape="0">
                     <a:schemeClr val="bg2">
@@ -8966,7 +8943,7 @@
           <a:noFill/>
           <a:extLst>
             <a:ext uri="{909E8E84-426E-40dd-AFC4-6F175D3DCCD1}">
-              <a14:hiddenFill xmlns:a14="http://schemas.microsoft.com/office/drawing/2010/main" xmlns="">
+              <a14:hiddenFill xmlns="" xmlns:a14="http://schemas.microsoft.com/office/drawing/2010/main">
                 <a:solidFill>
                   <a:srgbClr val="FFFFFF"/>
                 </a:solidFill>
@@ -9146,7 +9123,7 @@
             <a:fld id="{28B9D61F-2A5C-4372-AFD6-04E243C44FCA}" type="datetime1">
               <a:rPr lang="en-US" altLang="zh-CN" smtClean="0"/>
               <a:pPr/>
-              <a:t>2/8/17</a:t>
+              <a:t>9/11/18</a:t>
             </a:fld>
             <a:endParaRPr lang="en-US"/>
           </a:p>
@@ -9323,7 +9300,7 @@
           <a:p>
             <a:fld id="{C94E3762-5D8A-3A4E-B6DB-2FE9B8FB070F}" type="datetime1">
               <a:rPr lang="en-US" smtClean="0"/>
-              <a:t>2/8/17</a:t>
+              <a:t>9/11/18</a:t>
             </a:fld>
             <a:endParaRPr lang="en-US"/>
           </a:p>
@@ -9461,14 +9438,14 @@
           <a:effectLst/>
           <a:extLst>
             <a:ext uri="{909E8E84-426E-40dd-AFC4-6F175D3DCCD1}">
-              <a14:hiddenFill xmlns:a14="http://schemas.microsoft.com/office/drawing/2010/main" xmlns="">
+              <a14:hiddenFill xmlns="" xmlns:a14="http://schemas.microsoft.com/office/drawing/2010/main">
                 <a:solidFill>
                   <a:schemeClr val="accent1"/>
                 </a:solidFill>
               </a14:hiddenFill>
             </a:ext>
             <a:ext uri="{91240B29-F687-4f45-9708-019B960494DF}">
-              <a14:hiddenLine xmlns:a14="http://schemas.microsoft.com/office/drawing/2010/main" xmlns="" w="9525">
+              <a14:hiddenLine xmlns="" xmlns:a14="http://schemas.microsoft.com/office/drawing/2010/main" w="9525">
                 <a:solidFill>
                   <a:schemeClr val="tx1"/>
                 </a:solidFill>
@@ -9478,7 +9455,7 @@
               </a14:hiddenLine>
             </a:ext>
             <a:ext uri="{AF507438-7753-43e0-B8FC-AC1667EBCBE1}">
-              <a14:hiddenEffects xmlns:a14="http://schemas.microsoft.com/office/drawing/2010/main" xmlns="">
+              <a14:hiddenEffects xmlns="" xmlns:a14="http://schemas.microsoft.com/office/drawing/2010/main">
                 <a:effectLst>
                   <a:outerShdw blurRad="63500" dist="38099" dir="2700000" algn="ctr" rotWithShape="0">
                     <a:schemeClr val="bg2">
@@ -9546,7 +9523,7 @@
           <a:noFill/>
           <a:extLst>
             <a:ext uri="{909E8E84-426E-40dd-AFC4-6F175D3DCCD1}">
-              <a14:hiddenFill xmlns:a14="http://schemas.microsoft.com/office/drawing/2010/main" xmlns="">
+              <a14:hiddenFill xmlns="" xmlns:a14="http://schemas.microsoft.com/office/drawing/2010/main">
                 <a:solidFill>
                   <a:srgbClr val="FFFFFF"/>
                 </a:solidFill>
@@ -9573,7 +9550,7 @@
             <a:fld id="{C9E6E15F-69D6-4607-A1DF-E262C9125CF5}" type="datetime1">
               <a:rPr lang="en-US" altLang="zh-CN" smtClean="0"/>
               <a:pPr/>
-              <a:t>2/8/17</a:t>
+              <a:t>9/11/18</a:t>
             </a:fld>
             <a:endParaRPr lang="en-US"/>
           </a:p>
@@ -9716,14 +9693,14 @@
           <a:effectLst/>
           <a:extLst>
             <a:ext uri="{909E8E84-426E-40dd-AFC4-6F175D3DCCD1}">
-              <a14:hiddenFill xmlns:a14="http://schemas.microsoft.com/office/drawing/2010/main" xmlns="">
+              <a14:hiddenFill xmlns="" xmlns:a14="http://schemas.microsoft.com/office/drawing/2010/main">
                 <a:solidFill>
                   <a:schemeClr val="accent1"/>
                 </a:solidFill>
               </a14:hiddenFill>
             </a:ext>
             <a:ext uri="{91240B29-F687-4f45-9708-019B960494DF}">
-              <a14:hiddenLine xmlns:a14="http://schemas.microsoft.com/office/drawing/2010/main" xmlns="" w="9525">
+              <a14:hiddenLine xmlns="" xmlns:a14="http://schemas.microsoft.com/office/drawing/2010/main" w="9525">
                 <a:solidFill>
                   <a:schemeClr val="tx1"/>
                 </a:solidFill>
@@ -9733,7 +9710,7 @@
               </a14:hiddenLine>
             </a:ext>
             <a:ext uri="{AF507438-7753-43e0-B8FC-AC1667EBCBE1}">
-              <a14:hiddenEffects xmlns:a14="http://schemas.microsoft.com/office/drawing/2010/main" xmlns="">
+              <a14:hiddenEffects xmlns="" xmlns:a14="http://schemas.microsoft.com/office/drawing/2010/main">
                 <a:effectLst>
                   <a:outerShdw blurRad="63500" dist="38099" dir="2700000" algn="ctr" rotWithShape="0">
                     <a:schemeClr val="bg2">
@@ -9785,7 +9762,7 @@
           <a:graphicData uri="http://schemas.openxmlformats.org/presentationml/2006/ole">
             <mc:AlternateContent xmlns:mc="http://schemas.openxmlformats.org/markup-compatibility/2006">
               <mc:Choice xmlns:v="urn:schemas-microsoft-com:vml" Requires="v">
-                <p:oleObj spid="_x0000_s1067" name="Image" r:id="rId4" imgW="20116800" imgH="8229600" progId="">
+                <p:oleObj spid="_x0000_s1071" name="Image" r:id="rId4" imgW="20116800" imgH="8229600" progId="">
                   <p:embed/>
                 </p:oleObj>
               </mc:Choice>
@@ -9828,14 +9805,14 @@
                       <a:effectLst/>
                       <a:extLst>
                         <a:ext uri="{909E8E84-426E-40dd-AFC4-6F175D3DCCD1}">
-                          <a14:hiddenFill xmlns:a14="http://schemas.microsoft.com/office/drawing/2010/main" xmlns="">
+                          <a14:hiddenFill xmlns="" xmlns:a14="http://schemas.microsoft.com/office/drawing/2010/main">
                             <a:solidFill>
                               <a:schemeClr val="accent1"/>
                             </a:solidFill>
                           </a14:hiddenFill>
                         </a:ext>
                         <a:ext uri="{91240B29-F687-4f45-9708-019B960494DF}">
-                          <a14:hiddenLine xmlns:a14="http://schemas.microsoft.com/office/drawing/2010/main" xmlns="" w="12700">
+                          <a14:hiddenLine xmlns="" xmlns:a14="http://schemas.microsoft.com/office/drawing/2010/main" w="12700">
                             <a:solidFill>
                               <a:schemeClr val="tx1"/>
                             </a:solidFill>
@@ -9845,7 +9822,7 @@
                           </a14:hiddenLine>
                         </a:ext>
                         <a:ext uri="{AF507438-7753-43e0-B8FC-AC1667EBCBE1}">
-                          <a14:hiddenEffects xmlns:a14="http://schemas.microsoft.com/office/drawing/2010/main" xmlns="">
+                          <a14:hiddenEffects xmlns="" xmlns:a14="http://schemas.microsoft.com/office/drawing/2010/main">
                             <a:effectLst>
                               <a:outerShdw blurRad="63500" dist="38097" dir="2700000" algn="ctr" rotWithShape="0">
                                 <a:schemeClr val="bg2">
@@ -9882,7 +9859,7 @@
             <a:fld id="{68EB32B6-31F3-4A82-AB9F-303C7115DB38}" type="datetime1">
               <a:rPr lang="en-US" altLang="zh-CN" smtClean="0"/>
               <a:pPr/>
-              <a:t>2/8/17</a:t>
+              <a:t>9/11/18</a:t>
             </a:fld>
             <a:endParaRPr lang="en-US"/>
           </a:p>
